--- a/Resources/Presentation.pptx
+++ b/Resources/Presentation.pptx
@@ -13,9 +13,11 @@
     <p:sldId id="271" r:id="rId7"/>
     <p:sldId id="267" r:id="rId8"/>
     <p:sldId id="276" r:id="rId9"/>
-    <p:sldId id="273" r:id="rId10"/>
-    <p:sldId id="274" r:id="rId11"/>
-    <p:sldId id="275" r:id="rId12"/>
+    <p:sldId id="277" r:id="rId10"/>
+    <p:sldId id="273" r:id="rId11"/>
+    <p:sldId id="278" r:id="rId12"/>
+    <p:sldId id="274" r:id="rId13"/>
+    <p:sldId id="275" r:id="rId14"/>
   </p:sldIdLst>
   <p:sldSz cx="12192000" cy="6858000"/>
   <p:notesSz cx="6858000" cy="9144000"/>
@@ -4596,7 +4598,7 @@
           <a:p>
             <a:r>
               <a:rPr lang="en-AU" sz="2800" dirty="0"/>
-              <a:t>Optimisation</a:t>
+              <a:t>Challenges</a:t>
             </a:r>
             <a:br>
               <a:rPr lang="en-AU" sz="2800" dirty="0"/>
@@ -4807,7 +4809,7 @@
     </p:spTree>
     <p:extLst>
       <p:ext uri="{BB962C8B-B14F-4D97-AF65-F5344CB8AC3E}">
-        <p14:creationId xmlns:p14="http://schemas.microsoft.com/office/powerpoint/2010/main" val="2189089874"/>
+        <p14:creationId xmlns:p14="http://schemas.microsoft.com/office/powerpoint/2010/main" val="21734078"/>
       </p:ext>
     </p:extLst>
   </p:cSld>
@@ -4844,10 +4846,10 @@
       </p:grpSpPr>
       <p:sp useBgFill="1">
         <p:nvSpPr>
-          <p:cNvPr id="90" name="Rectangle 82">
-            <a:extLst>
-              <a:ext uri="{FF2B5EF4-FFF2-40B4-BE49-F238E27FC236}">
-                <a16:creationId xmlns:a16="http://schemas.microsoft.com/office/drawing/2014/main" id="{0671A8AE-40A1-4631-A6B8-581AFF065482}"/>
+          <p:cNvPr id="72" name="Rectangle 71">
+            <a:extLst>
+              <a:ext uri="{FF2B5EF4-FFF2-40B4-BE49-F238E27FC236}">
+                <a16:creationId xmlns:a16="http://schemas.microsoft.com/office/drawing/2014/main" id="{9AA72BD9-2C5A-4EDC-931F-5AA08EACA0F3}"/>
               </a:ext>
               <a:ext uri="{C183D7F6-B498-43B3-948B-1728B52AA6E4}">
                 <adec:decorative xmlns:adec="http://schemas.microsoft.com/office/drawing/2017/decorative" val="1"/>
@@ -4924,7 +4926,7 @@
               </a:ext>
             </a:extLst>
           </a:blip>
-          <a:srcRect t="2808" r="24160" b="6283"/>
+          <a:srcRect t="2864" r="24151" b="6227"/>
           <a:stretch/>
         </p:blipFill>
         <p:spPr>
@@ -4939,10 +4941,10 @@
       </p:pic>
       <p:sp>
         <p:nvSpPr>
-          <p:cNvPr id="91" name="Rectangle 84">
-            <a:extLst>
-              <a:ext uri="{FF2B5EF4-FFF2-40B4-BE49-F238E27FC236}">
-                <a16:creationId xmlns:a16="http://schemas.microsoft.com/office/drawing/2014/main" id="{AB58EF07-17C2-48CF-ABB0-EEF1F17CB8F0}"/>
+          <p:cNvPr id="74" name="Rectangle 73">
+            <a:extLst>
+              <a:ext uri="{FF2B5EF4-FFF2-40B4-BE49-F238E27FC236}">
+                <a16:creationId xmlns:a16="http://schemas.microsoft.com/office/drawing/2014/main" id="{DD3981AC-7B61-4947-BCF3-F7AA7FA385B9}"/>
               </a:ext>
               <a:ext uri="{C183D7F6-B498-43B3-948B-1728B52AA6E4}">
                 <adec:decorative xmlns:adec="http://schemas.microsoft.com/office/drawing/2017/decorative" val="1"/>
@@ -4962,8 +4964,8 @@
         </p:nvSpPr>
         <p:spPr>
           <a:xfrm>
-            <a:off x="3" y="0"/>
-            <a:ext cx="9339206" cy="6858000"/>
+            <a:off x="2" y="0"/>
+            <a:ext cx="9756601" cy="6858000"/>
           </a:xfrm>
           <a:prstGeom prst="rect">
             <a:avLst/>
@@ -4973,9 +4975,14 @@
               <a:gs pos="58000">
                 <a:schemeClr val="bg1"/>
               </a:gs>
-              <a:gs pos="33000">
+              <a:gs pos="35000">
                 <a:schemeClr val="bg1">
-                  <a:alpha val="64000"/>
+                  <a:alpha val="78000"/>
+                </a:schemeClr>
+              </a:gs>
+              <a:gs pos="19000">
+                <a:schemeClr val="bg1">
+                  <a:alpha val="38000"/>
                 </a:schemeClr>
               </a:gs>
               <a:gs pos="0">
@@ -5036,29 +5043,36 @@
         </p:nvSpPr>
         <p:spPr>
           <a:xfrm>
-            <a:off x="477981" y="1122363"/>
-            <a:ext cx="4023360" cy="3204134"/>
-          </a:xfrm>
-        </p:spPr>
-        <p:txBody>
-          <a:bodyPr vert="horz" lIns="91440" tIns="45720" rIns="91440" bIns="45720" rtlCol="0" anchor="b">
+            <a:off x="371093" y="1161288"/>
+            <a:ext cx="6137861" cy="1124712"/>
+          </a:xfrm>
+        </p:spPr>
+        <p:txBody>
+          <a:bodyPr anchor="b">
             <a:normAutofit/>
           </a:bodyPr>
           <a:lstStyle/>
           <a:p>
             <a:r>
-              <a:rPr lang="en-US" sz="4800"/>
-              <a:t>Questions?</a:t>
-            </a:r>
-          </a:p>
-        </p:txBody>
-      </p:sp>
-      <p:sp>
-        <p:nvSpPr>
-          <p:cNvPr id="92" name="Rectangle 86">
-            <a:extLst>
-              <a:ext uri="{FF2B5EF4-FFF2-40B4-BE49-F238E27FC236}">
-                <a16:creationId xmlns:a16="http://schemas.microsoft.com/office/drawing/2014/main" id="{AF2F604E-43BE-4DC3-B983-E071523364F8}"/>
+              <a:rPr lang="en-AU" sz="2800" dirty="0"/>
+              <a:t>Demo</a:t>
+            </a:r>
+            <a:br>
+              <a:rPr lang="en-AU" sz="2800" dirty="0"/>
+            </a:br>
+            <a:r>
+              <a:rPr lang="en-AU" sz="2800" dirty="0"/>
+              <a:t> </a:t>
+            </a:r>
+          </a:p>
+        </p:txBody>
+      </p:sp>
+      <p:sp>
+        <p:nvSpPr>
+          <p:cNvPr id="76" name="Rectangle 75">
+            <a:extLst>
+              <a:ext uri="{FF2B5EF4-FFF2-40B4-BE49-F238E27FC236}">
+                <a16:creationId xmlns:a16="http://schemas.microsoft.com/office/drawing/2014/main" id="{55D4142C-5077-457F-A6AD-3FECFDB39685}"/>
               </a:ext>
               <a:ext uri="{C183D7F6-B498-43B3-948B-1728B52AA6E4}">
                 <adec:decorative xmlns:adec="http://schemas.microsoft.com/office/drawing/2017/decorative" val="1"/>
@@ -5078,8 +5092,8 @@
         </p:nvSpPr>
         <p:spPr>
           <a:xfrm rot="5400000">
-            <a:off x="759921" y="346791"/>
-            <a:ext cx="146304" cy="704088"/>
+            <a:off x="662559" y="605790"/>
+            <a:ext cx="73152" cy="548640"/>
           </a:xfrm>
           <a:prstGeom prst="rect">
             <a:avLst/>
@@ -5123,10 +5137,10 @@
       </p:sp>
       <p:sp>
         <p:nvSpPr>
-          <p:cNvPr id="89" name="Rectangle 88">
-            <a:extLst>
-              <a:ext uri="{FF2B5EF4-FFF2-40B4-BE49-F238E27FC236}">
-                <a16:creationId xmlns:a16="http://schemas.microsoft.com/office/drawing/2014/main" id="{08C9B587-E65E-4B52-B37C-ABEBB6E87928}"/>
+          <p:cNvPr id="78" name="Rectangle 77">
+            <a:extLst>
+              <a:ext uri="{FF2B5EF4-FFF2-40B4-BE49-F238E27FC236}">
+                <a16:creationId xmlns:a16="http://schemas.microsoft.com/office/drawing/2014/main" id="{7A5F0580-5EE9-419F-96EE-B6529EF6E7D0}"/>
               </a:ext>
               <a:ext uri="{C183D7F6-B498-43B3-948B-1728B52AA6E4}">
                 <adec:decorative xmlns:adec="http://schemas.microsoft.com/office/drawing/2017/decorative" val="1"/>
@@ -5146,8 +5160,8 @@
         </p:nvSpPr>
         <p:spPr>
           <a:xfrm>
-            <a:off x="481029" y="4546920"/>
-            <a:ext cx="3977640" cy="18288"/>
+            <a:off x="428244" y="2443480"/>
+            <a:ext cx="3300984" cy="18288"/>
           </a:xfrm>
           <a:prstGeom prst="rect">
             <a:avLst/>
@@ -5213,6 +5227,726 @@
             </a:endParaRPr>
           </a:p>
         </p:txBody>
+      </p:sp>
+    </p:spTree>
+    <p:extLst>
+      <p:ext uri="{BB962C8B-B14F-4D97-AF65-F5344CB8AC3E}">
+        <p14:creationId xmlns:p14="http://schemas.microsoft.com/office/powerpoint/2010/main" val="1718562987"/>
+      </p:ext>
+    </p:extLst>
+  </p:cSld>
+  <p:clrMapOvr>
+    <a:overrideClrMapping bg1="dk1" tx1="lt1" bg2="dk2" tx2="lt2" accent1="accent1" accent2="accent2" accent3="accent3" accent4="accent4" accent5="accent5" accent6="accent6" hlink="hlink" folHlink="folHlink"/>
+  </p:clrMapOvr>
+</p:sld>
+</file>
+
+<file path=ppt/slides/slide12.xml><?xml version="1.0" encoding="utf-8"?>
+<p:sld xmlns:a="http://schemas.openxmlformats.org/drawingml/2006/main" xmlns:r="http://schemas.openxmlformats.org/officeDocument/2006/relationships" xmlns:p="http://schemas.openxmlformats.org/presentationml/2006/main">
+  <p:cSld>
+    <p:bg>
+      <p:bgPr>
+        <a:solidFill>
+          <a:schemeClr val="bg1"/>
+        </a:solidFill>
+        <a:effectLst/>
+      </p:bgPr>
+    </p:bg>
+    <p:spTree>
+      <p:nvGrpSpPr>
+        <p:cNvPr id="1" name=""/>
+        <p:cNvGrpSpPr/>
+        <p:nvPr/>
+      </p:nvGrpSpPr>
+      <p:grpSpPr>
+        <a:xfrm>
+          <a:off x="0" y="0"/>
+          <a:ext cx="0" cy="0"/>
+          <a:chOff x="0" y="0"/>
+          <a:chExt cx="0" cy="0"/>
+        </a:xfrm>
+      </p:grpSpPr>
+      <p:sp useBgFill="1">
+        <p:nvSpPr>
+          <p:cNvPr id="72" name="Rectangle 71">
+            <a:extLst>
+              <a:ext uri="{FF2B5EF4-FFF2-40B4-BE49-F238E27FC236}">
+                <a16:creationId xmlns:a16="http://schemas.microsoft.com/office/drawing/2014/main" id="{9AA72BD9-2C5A-4EDC-931F-5AA08EACA0F3}"/>
+              </a:ext>
+              <a:ext uri="{C183D7F6-B498-43B3-948B-1728B52AA6E4}">
+                <adec:decorative xmlns:adec="http://schemas.microsoft.com/office/drawing/2017/decorative" val="1"/>
+              </a:ext>
+            </a:extLst>
+          </p:cNvPr>
+          <p:cNvSpPr>
+            <a:spLocks noGrp="1" noRot="1" noChangeAspect="1" noMove="1" noResize="1" noEditPoints="1" noAdjustHandles="1" noChangeArrowheads="1" noChangeShapeType="1" noTextEdit="1"/>
+          </p:cNvSpPr>
+          <p:nvPr>
+            <p:extLst>
+              <p:ext uri="{386F3935-93C4-4BCD-93E2-E3B085C9AB24}">
+                <p16:designElem xmlns:p16="http://schemas.microsoft.com/office/powerpoint/2015/main" val="1"/>
+              </p:ext>
+            </p:extLst>
+          </p:nvPr>
+        </p:nvSpPr>
+        <p:spPr>
+          <a:xfrm>
+            <a:off x="0" y="0"/>
+            <a:ext cx="12192000" cy="6858000"/>
+          </a:xfrm>
+          <a:prstGeom prst="rect">
+            <a:avLst/>
+          </a:prstGeom>
+          <a:ln>
+            <a:noFill/>
+          </a:ln>
+        </p:spPr>
+        <p:style>
+          <a:lnRef idx="2">
+            <a:schemeClr val="accent1">
+              <a:shade val="50000"/>
+            </a:schemeClr>
+          </a:lnRef>
+          <a:fillRef idx="1">
+            <a:schemeClr val="accent1"/>
+          </a:fillRef>
+          <a:effectRef idx="0">
+            <a:schemeClr val="accent1"/>
+          </a:effectRef>
+          <a:fontRef idx="minor">
+            <a:schemeClr val="lt1"/>
+          </a:fontRef>
+        </p:style>
+        <p:txBody>
+          <a:bodyPr rtlCol="0" anchor="ctr"/>
+          <a:lstStyle/>
+          <a:p>
+            <a:pPr algn="ctr"/>
+            <a:endParaRPr lang="en-US"/>
+          </a:p>
+        </p:txBody>
+      </p:sp>
+      <p:pic>
+        <p:nvPicPr>
+          <p:cNvPr id="6" name="Picture 5">
+            <a:extLst>
+              <a:ext uri="{FF2B5EF4-FFF2-40B4-BE49-F238E27FC236}">
+                <a16:creationId xmlns:a16="http://schemas.microsoft.com/office/drawing/2014/main" id="{D5EC7A9F-FB33-C428-A28D-7CFBE1A7A53D}"/>
+              </a:ext>
+            </a:extLst>
+          </p:cNvPr>
+          <p:cNvPicPr>
+            <a:picLocks noChangeAspect="1"/>
+          </p:cNvPicPr>
+          <p:nvPr/>
+        </p:nvPicPr>
+        <p:blipFill rotWithShape="1">
+          <a:blip r:embed="rId2">
+            <a:extLst>
+              <a:ext uri="{28A0092B-C50C-407E-A947-70E740481C1C}">
+                <a14:useLocalDpi xmlns:a14="http://schemas.microsoft.com/office/drawing/2010/main" val="0"/>
+              </a:ext>
+            </a:extLst>
+          </a:blip>
+          <a:srcRect t="2864" r="24151" b="6227"/>
+          <a:stretch/>
+        </p:blipFill>
+        <p:spPr>
+          <a:xfrm>
+            <a:off x="3522468" y="10"/>
+            <a:ext cx="8669532" cy="6857990"/>
+          </a:xfrm>
+          <a:prstGeom prst="rect">
+            <a:avLst/>
+          </a:prstGeom>
+        </p:spPr>
+      </p:pic>
+      <p:sp>
+        <p:nvSpPr>
+          <p:cNvPr id="74" name="Rectangle 73">
+            <a:extLst>
+              <a:ext uri="{FF2B5EF4-FFF2-40B4-BE49-F238E27FC236}">
+                <a16:creationId xmlns:a16="http://schemas.microsoft.com/office/drawing/2014/main" id="{DD3981AC-7B61-4947-BCF3-F7AA7FA385B9}"/>
+              </a:ext>
+              <a:ext uri="{C183D7F6-B498-43B3-948B-1728B52AA6E4}">
+                <adec:decorative xmlns:adec="http://schemas.microsoft.com/office/drawing/2017/decorative" val="1"/>
+              </a:ext>
+            </a:extLst>
+          </p:cNvPr>
+          <p:cNvSpPr>
+            <a:spLocks noGrp="1" noRot="1" noChangeAspect="1" noMove="1" noResize="1" noEditPoints="1" noAdjustHandles="1" noChangeArrowheads="1" noChangeShapeType="1" noTextEdit="1"/>
+          </p:cNvSpPr>
+          <p:nvPr>
+            <p:extLst>
+              <p:ext uri="{386F3935-93C4-4BCD-93E2-E3B085C9AB24}">
+                <p16:designElem xmlns:p16="http://schemas.microsoft.com/office/powerpoint/2015/main" val="1"/>
+              </p:ext>
+            </p:extLst>
+          </p:nvPr>
+        </p:nvSpPr>
+        <p:spPr>
+          <a:xfrm>
+            <a:off x="2" y="0"/>
+            <a:ext cx="9756601" cy="6858000"/>
+          </a:xfrm>
+          <a:prstGeom prst="rect">
+            <a:avLst/>
+          </a:prstGeom>
+          <a:gradFill>
+            <a:gsLst>
+              <a:gs pos="58000">
+                <a:schemeClr val="bg1"/>
+              </a:gs>
+              <a:gs pos="35000">
+                <a:schemeClr val="bg1">
+                  <a:alpha val="78000"/>
+                </a:schemeClr>
+              </a:gs>
+              <a:gs pos="19000">
+                <a:schemeClr val="bg1">
+                  <a:alpha val="38000"/>
+                </a:schemeClr>
+              </a:gs>
+              <a:gs pos="0">
+                <a:schemeClr val="bg1">
+                  <a:alpha val="0"/>
+                </a:schemeClr>
+              </a:gs>
+              <a:gs pos="100000">
+                <a:schemeClr val="bg1"/>
+              </a:gs>
+            </a:gsLst>
+            <a:lin ang="10800000" scaled="0"/>
+          </a:gradFill>
+          <a:ln>
+            <a:noFill/>
+          </a:ln>
+        </p:spPr>
+        <p:style>
+          <a:lnRef idx="2">
+            <a:schemeClr val="accent1">
+              <a:shade val="50000"/>
+            </a:schemeClr>
+          </a:lnRef>
+          <a:fillRef idx="1">
+            <a:schemeClr val="accent1"/>
+          </a:fillRef>
+          <a:effectRef idx="0">
+            <a:schemeClr val="accent1"/>
+          </a:effectRef>
+          <a:fontRef idx="minor">
+            <a:schemeClr val="lt1"/>
+          </a:fontRef>
+        </p:style>
+        <p:txBody>
+          <a:bodyPr rtlCol="0" anchor="ctr"/>
+          <a:lstStyle/>
+          <a:p>
+            <a:pPr algn="ctr"/>
+            <a:endParaRPr lang="en-US" dirty="0"/>
+          </a:p>
+        </p:txBody>
+      </p:sp>
+      <p:sp>
+        <p:nvSpPr>
+          <p:cNvPr id="2" name="Title 1">
+            <a:extLst>
+              <a:ext uri="{FF2B5EF4-FFF2-40B4-BE49-F238E27FC236}">
+                <a16:creationId xmlns:a16="http://schemas.microsoft.com/office/drawing/2014/main" id="{1A43EA39-A164-6E0F-E678-E286D3E52AC0}"/>
+              </a:ext>
+            </a:extLst>
+          </p:cNvPr>
+          <p:cNvSpPr>
+            <a:spLocks noGrp="1"/>
+          </p:cNvSpPr>
+          <p:nvPr>
+            <p:ph type="title"/>
+          </p:nvPr>
+        </p:nvSpPr>
+        <p:spPr>
+          <a:xfrm>
+            <a:off x="371093" y="1161288"/>
+            <a:ext cx="6137861" cy="1124712"/>
+          </a:xfrm>
+        </p:spPr>
+        <p:txBody>
+          <a:bodyPr anchor="b">
+            <a:normAutofit/>
+          </a:bodyPr>
+          <a:lstStyle/>
+          <a:p>
+            <a:r>
+              <a:rPr lang="en-AU" sz="2800" dirty="0"/>
+              <a:t>Optimisation</a:t>
+            </a:r>
+            <a:br>
+              <a:rPr lang="en-AU" sz="2800" dirty="0"/>
+            </a:br>
+            <a:r>
+              <a:rPr lang="en-AU" sz="2800" dirty="0"/>
+              <a:t> </a:t>
+            </a:r>
+          </a:p>
+        </p:txBody>
+      </p:sp>
+      <p:sp>
+        <p:nvSpPr>
+          <p:cNvPr id="76" name="Rectangle 75">
+            <a:extLst>
+              <a:ext uri="{FF2B5EF4-FFF2-40B4-BE49-F238E27FC236}">
+                <a16:creationId xmlns:a16="http://schemas.microsoft.com/office/drawing/2014/main" id="{55D4142C-5077-457F-A6AD-3FECFDB39685}"/>
+              </a:ext>
+              <a:ext uri="{C183D7F6-B498-43B3-948B-1728B52AA6E4}">
+                <adec:decorative xmlns:adec="http://schemas.microsoft.com/office/drawing/2017/decorative" val="1"/>
+              </a:ext>
+            </a:extLst>
+          </p:cNvPr>
+          <p:cNvSpPr>
+            <a:spLocks noGrp="1" noRot="1" noChangeAspect="1" noMove="1" noResize="1" noEditPoints="1" noAdjustHandles="1" noChangeArrowheads="1" noChangeShapeType="1" noTextEdit="1"/>
+          </p:cNvSpPr>
+          <p:nvPr>
+            <p:extLst>
+              <p:ext uri="{386F3935-93C4-4BCD-93E2-E3B085C9AB24}">
+                <p16:designElem xmlns:p16="http://schemas.microsoft.com/office/powerpoint/2015/main" val="1"/>
+              </p:ext>
+            </p:extLst>
+          </p:nvPr>
+        </p:nvSpPr>
+        <p:spPr>
+          <a:xfrm rot="5400000">
+            <a:off x="662559" y="605790"/>
+            <a:ext cx="73152" cy="548640"/>
+          </a:xfrm>
+          <a:prstGeom prst="rect">
+            <a:avLst/>
+          </a:prstGeom>
+          <a:solidFill>
+            <a:schemeClr val="accent2"/>
+          </a:solidFill>
+          <a:ln>
+            <a:noFill/>
+          </a:ln>
+        </p:spPr>
+        <p:style>
+          <a:lnRef idx="2">
+            <a:schemeClr val="accent1">
+              <a:shade val="50000"/>
+            </a:schemeClr>
+          </a:lnRef>
+          <a:fillRef idx="1">
+            <a:schemeClr val="accent1"/>
+          </a:fillRef>
+          <a:effectRef idx="0">
+            <a:schemeClr val="accent1"/>
+          </a:effectRef>
+          <a:fontRef idx="minor">
+            <a:schemeClr val="lt1"/>
+          </a:fontRef>
+        </p:style>
+        <p:txBody>
+          <a:bodyPr rtlCol="0" anchor="ctr"/>
+          <a:lstStyle/>
+          <a:p>
+            <a:pPr algn="ctr"/>
+            <a:endParaRPr lang="en-US">
+              <a:solidFill>
+                <a:prstClr val="white"/>
+              </a:solidFill>
+              <a:latin typeface="Calibri" panose="020F0502020204030204"/>
+            </a:endParaRPr>
+          </a:p>
+        </p:txBody>
+      </p:sp>
+      <p:sp>
+        <p:nvSpPr>
+          <p:cNvPr id="78" name="Rectangle 77">
+            <a:extLst>
+              <a:ext uri="{FF2B5EF4-FFF2-40B4-BE49-F238E27FC236}">
+                <a16:creationId xmlns:a16="http://schemas.microsoft.com/office/drawing/2014/main" id="{7A5F0580-5EE9-419F-96EE-B6529EF6E7D0}"/>
+              </a:ext>
+              <a:ext uri="{C183D7F6-B498-43B3-948B-1728B52AA6E4}">
+                <adec:decorative xmlns:adec="http://schemas.microsoft.com/office/drawing/2017/decorative" val="1"/>
+              </a:ext>
+            </a:extLst>
+          </p:cNvPr>
+          <p:cNvSpPr>
+            <a:spLocks noGrp="1" noRot="1" noChangeAspect="1" noMove="1" noResize="1" noEditPoints="1" noAdjustHandles="1" noChangeArrowheads="1" noChangeShapeType="1" noTextEdit="1"/>
+          </p:cNvSpPr>
+          <p:nvPr>
+            <p:extLst>
+              <p:ext uri="{386F3935-93C4-4BCD-93E2-E3B085C9AB24}">
+                <p16:designElem xmlns:p16="http://schemas.microsoft.com/office/powerpoint/2015/main" val="1"/>
+              </p:ext>
+            </p:extLst>
+          </p:nvPr>
+        </p:nvSpPr>
+        <p:spPr>
+          <a:xfrm>
+            <a:off x="428244" y="2443480"/>
+            <a:ext cx="3300984" cy="18288"/>
+          </a:xfrm>
+          <a:prstGeom prst="rect">
+            <a:avLst/>
+          </a:prstGeom>
+          <a:solidFill>
+            <a:schemeClr val="tx1"/>
+          </a:solidFill>
+          <a:ln w="3175">
+            <a:noFill/>
+          </a:ln>
+          <a:effectLst/>
+        </p:spPr>
+        <p:style>
+          <a:lnRef idx="2">
+            <a:schemeClr val="accent1">
+              <a:shade val="50000"/>
+            </a:schemeClr>
+          </a:lnRef>
+          <a:fillRef idx="1">
+            <a:schemeClr val="accent1"/>
+          </a:fillRef>
+          <a:effectRef idx="0">
+            <a:schemeClr val="accent1"/>
+          </a:effectRef>
+          <a:fontRef idx="minor">
+            <a:schemeClr val="lt1"/>
+          </a:fontRef>
+        </p:style>
+        <p:txBody>
+          <a:bodyPr rtlCol="0" anchor="ctr"/>
+          <a:lstStyle/>
+          <a:p>
+            <a:pPr marL="0" marR="0" lvl="0" indent="0" algn="ctr" defTabSz="914400" rtl="0" eaLnBrk="1" fontAlgn="auto" latinLnBrk="0" hangingPunct="1">
+              <a:lnSpc>
+                <a:spcPct val="100000"/>
+              </a:lnSpc>
+              <a:spcBef>
+                <a:spcPts val="0"/>
+              </a:spcBef>
+              <a:spcAft>
+                <a:spcPts val="0"/>
+              </a:spcAft>
+              <a:buClrTx/>
+              <a:buSzTx/>
+              <a:buFontTx/>
+              <a:buNone/>
+              <a:tabLst/>
+              <a:defRPr/>
+            </a:pPr>
+            <a:endParaRPr kumimoji="0" lang="en-US" sz="1800" b="0" i="0" u="none" strike="noStrike" kern="1200" cap="none" spc="0" normalizeH="0" baseline="0" noProof="0">
+              <a:ln>
+                <a:noFill/>
+              </a:ln>
+              <a:solidFill>
+                <a:prstClr val="white"/>
+              </a:solidFill>
+              <a:effectLst/>
+              <a:uLnTx/>
+              <a:uFillTx/>
+              <a:latin typeface="Calibri" panose="020F0502020204030204"/>
+              <a:ea typeface="+mn-ea"/>
+              <a:cs typeface="+mn-cs"/>
+            </a:endParaRPr>
+          </a:p>
+        </p:txBody>
+      </p:sp>
+      <p:sp>
+        <p:nvSpPr>
+          <p:cNvPr id="3" name="Content Placeholder 2">
+            <a:extLst>
+              <a:ext uri="{FF2B5EF4-FFF2-40B4-BE49-F238E27FC236}">
+                <a16:creationId xmlns:a16="http://schemas.microsoft.com/office/drawing/2014/main" id="{E3B543C1-3769-31B9-C3A6-AF8C301F0CDD}"/>
+              </a:ext>
+            </a:extLst>
+          </p:cNvPr>
+          <p:cNvSpPr>
+            <a:spLocks noGrp="1"/>
+          </p:cNvSpPr>
+          <p:nvPr>
+            <p:ph idx="1"/>
+          </p:nvPr>
+        </p:nvSpPr>
+        <p:spPr>
+          <a:xfrm>
+            <a:off x="371094" y="2718054"/>
+            <a:ext cx="3438906" cy="3207258"/>
+          </a:xfrm>
+        </p:spPr>
+        <p:txBody>
+          <a:bodyPr anchor="t">
+            <a:normAutofit/>
+          </a:bodyPr>
+          <a:lstStyle/>
+          <a:p>
+            <a:pPr marL="0" indent="0">
+              <a:buNone/>
+            </a:pPr>
+            <a:endParaRPr lang="en-AU" sz="1700" dirty="0"/>
+          </a:p>
+        </p:txBody>
+      </p:sp>
+    </p:spTree>
+    <p:extLst>
+      <p:ext uri="{BB962C8B-B14F-4D97-AF65-F5344CB8AC3E}">
+        <p14:creationId xmlns:p14="http://schemas.microsoft.com/office/powerpoint/2010/main" val="2189089874"/>
+      </p:ext>
+    </p:extLst>
+  </p:cSld>
+  <p:clrMapOvr>
+    <a:overrideClrMapping bg1="dk1" tx1="lt1" bg2="dk2" tx2="lt2" accent1="accent1" accent2="accent2" accent3="accent3" accent4="accent4" accent5="accent5" accent6="accent6" hlink="hlink" folHlink="folHlink"/>
+  </p:clrMapOvr>
+</p:sld>
+</file>
+
+<file path=ppt/slides/slide13.xml><?xml version="1.0" encoding="utf-8"?>
+<p:sld xmlns:a="http://schemas.openxmlformats.org/drawingml/2006/main" xmlns:r="http://schemas.openxmlformats.org/officeDocument/2006/relationships" xmlns:p="http://schemas.openxmlformats.org/presentationml/2006/main">
+  <p:cSld>
+    <p:bg>
+      <p:bgPr>
+        <a:solidFill>
+          <a:schemeClr val="bg1"/>
+        </a:solidFill>
+        <a:effectLst/>
+      </p:bgPr>
+    </p:bg>
+    <p:spTree>
+      <p:nvGrpSpPr>
+        <p:cNvPr id="1" name=""/>
+        <p:cNvGrpSpPr/>
+        <p:nvPr/>
+      </p:nvGrpSpPr>
+      <p:grpSpPr>
+        <a:xfrm>
+          <a:off x="0" y="0"/>
+          <a:ext cx="0" cy="0"/>
+          <a:chOff x="0" y="0"/>
+          <a:chExt cx="0" cy="0"/>
+        </a:xfrm>
+      </p:grpSpPr>
+      <p:sp useBgFill="1">
+        <p:nvSpPr>
+          <p:cNvPr id="97" name="Rectangle 96">
+            <a:extLst>
+              <a:ext uri="{FF2B5EF4-FFF2-40B4-BE49-F238E27FC236}">
+                <a16:creationId xmlns:a16="http://schemas.microsoft.com/office/drawing/2014/main" id="{6F40FBDA-CEB1-40F0-9AB9-BD9C402D70FE}"/>
+              </a:ext>
+              <a:ext uri="{C183D7F6-B498-43B3-948B-1728B52AA6E4}">
+                <adec:decorative xmlns:adec="http://schemas.microsoft.com/office/drawing/2017/decorative" val="1"/>
+              </a:ext>
+            </a:extLst>
+          </p:cNvPr>
+          <p:cNvSpPr>
+            <a:spLocks noGrp="1" noRot="1" noChangeAspect="1" noMove="1" noResize="1" noEditPoints="1" noAdjustHandles="1" noChangeArrowheads="1" noChangeShapeType="1" noTextEdit="1"/>
+          </p:cNvSpPr>
+          <p:nvPr>
+            <p:extLst>
+              <p:ext uri="{386F3935-93C4-4BCD-93E2-E3B085C9AB24}">
+                <p16:designElem xmlns:p16="http://schemas.microsoft.com/office/powerpoint/2015/main" val="1"/>
+              </p:ext>
+            </p:extLst>
+          </p:nvPr>
+        </p:nvSpPr>
+        <p:spPr>
+          <a:xfrm>
+            <a:off x="0" y="0"/>
+            <a:ext cx="12192000" cy="6858000"/>
+          </a:xfrm>
+          <a:prstGeom prst="rect">
+            <a:avLst/>
+          </a:prstGeom>
+          <a:ln>
+            <a:noFill/>
+          </a:ln>
+        </p:spPr>
+        <p:style>
+          <a:lnRef idx="2">
+            <a:schemeClr val="accent1">
+              <a:shade val="50000"/>
+            </a:schemeClr>
+          </a:lnRef>
+          <a:fillRef idx="1">
+            <a:schemeClr val="accent1"/>
+          </a:fillRef>
+          <a:effectRef idx="0">
+            <a:schemeClr val="accent1"/>
+          </a:effectRef>
+          <a:fontRef idx="minor">
+            <a:schemeClr val="lt1"/>
+          </a:fontRef>
+        </p:style>
+        <p:txBody>
+          <a:bodyPr rtlCol="0" anchor="ctr"/>
+          <a:lstStyle/>
+          <a:p>
+            <a:pPr algn="ctr"/>
+            <a:endParaRPr lang="en-US"/>
+          </a:p>
+        </p:txBody>
+      </p:sp>
+      <p:pic>
+        <p:nvPicPr>
+          <p:cNvPr id="6" name="Picture 5">
+            <a:extLst>
+              <a:ext uri="{FF2B5EF4-FFF2-40B4-BE49-F238E27FC236}">
+                <a16:creationId xmlns:a16="http://schemas.microsoft.com/office/drawing/2014/main" id="{D5EC7A9F-FB33-C428-A28D-7CFBE1A7A53D}"/>
+              </a:ext>
+            </a:extLst>
+          </p:cNvPr>
+          <p:cNvPicPr>
+            <a:picLocks noChangeAspect="1"/>
+          </p:cNvPicPr>
+          <p:nvPr/>
+        </p:nvPicPr>
+        <p:blipFill rotWithShape="1">
+          <a:blip r:embed="rId2">
+            <a:alphaModFix amt="45000"/>
+            <a:extLst>
+              <a:ext uri="{28A0092B-C50C-407E-A947-70E740481C1C}">
+                <a14:useLocalDpi xmlns:a14="http://schemas.microsoft.com/office/drawing/2010/main" val="0"/>
+              </a:ext>
+            </a:extLst>
+          </a:blip>
+          <a:srcRect t="2497" b="12276"/>
+          <a:stretch/>
+        </p:blipFill>
+        <p:spPr>
+          <a:xfrm>
+            <a:off x="20" y="10"/>
+            <a:ext cx="12191980" cy="6857990"/>
+          </a:xfrm>
+          <a:prstGeom prst="rect">
+            <a:avLst/>
+          </a:prstGeom>
+        </p:spPr>
+      </p:pic>
+      <p:sp>
+        <p:nvSpPr>
+          <p:cNvPr id="99" name="Rectangle 98">
+            <a:extLst>
+              <a:ext uri="{FF2B5EF4-FFF2-40B4-BE49-F238E27FC236}">
+                <a16:creationId xmlns:a16="http://schemas.microsoft.com/office/drawing/2014/main" id="{0344D4FE-ABEF-4230-9E4E-AD5782FC78AC}"/>
+              </a:ext>
+              <a:ext uri="{C183D7F6-B498-43B3-948B-1728B52AA6E4}">
+                <adec:decorative xmlns:adec="http://schemas.microsoft.com/office/drawing/2017/decorative" val="1"/>
+              </a:ext>
+            </a:extLst>
+          </p:cNvPr>
+          <p:cNvSpPr>
+            <a:spLocks noGrp="1" noRot="1" noChangeAspect="1" noMove="1" noResize="1" noEditPoints="1" noAdjustHandles="1" noChangeArrowheads="1" noChangeShapeType="1" noTextEdit="1"/>
+          </p:cNvSpPr>
+          <p:nvPr>
+            <p:extLst>
+              <p:ext uri="{386F3935-93C4-4BCD-93E2-E3B085C9AB24}">
+                <p16:designElem xmlns:p16="http://schemas.microsoft.com/office/powerpoint/2015/main" val="1"/>
+              </p:ext>
+            </p:extLst>
+          </p:nvPr>
+        </p:nvSpPr>
+        <p:spPr>
+          <a:xfrm>
+            <a:off x="1307870" y="1267730"/>
+            <a:ext cx="9576262" cy="4307950"/>
+          </a:xfrm>
+          <a:prstGeom prst="rect">
+            <a:avLst/>
+          </a:prstGeom>
+          <a:noFill/>
+          <a:ln w="9525" cap="sq" cmpd="sng" algn="ctr">
+            <a:solidFill>
+              <a:schemeClr val="tx1">
+                <a:lumMod val="75000"/>
+                <a:lumOff val="25000"/>
+              </a:schemeClr>
+            </a:solidFill>
+            <a:prstDash val="solid"/>
+            <a:miter lim="800000"/>
+          </a:ln>
+          <a:effectLst>
+            <a:softEdge rad="0"/>
+          </a:effectLst>
+        </p:spPr>
+      </p:sp>
+      <p:sp>
+        <p:nvSpPr>
+          <p:cNvPr id="2" name="Title 1">
+            <a:extLst>
+              <a:ext uri="{FF2B5EF4-FFF2-40B4-BE49-F238E27FC236}">
+                <a16:creationId xmlns:a16="http://schemas.microsoft.com/office/drawing/2014/main" id="{1A43EA39-A164-6E0F-E678-E286D3E52AC0}"/>
+              </a:ext>
+            </a:extLst>
+          </p:cNvPr>
+          <p:cNvSpPr>
+            <a:spLocks noGrp="1"/>
+          </p:cNvSpPr>
+          <p:nvPr>
+            <p:ph type="title"/>
+          </p:nvPr>
+        </p:nvSpPr>
+        <p:spPr>
+          <a:xfrm>
+            <a:off x="1769532" y="1695576"/>
+            <a:ext cx="8652938" cy="2857191"/>
+          </a:xfrm>
+        </p:spPr>
+        <p:txBody>
+          <a:bodyPr vert="horz" lIns="91440" tIns="45720" rIns="91440" bIns="45720" rtlCol="0" anchor="ctr">
+            <a:normAutofit/>
+          </a:bodyPr>
+          <a:lstStyle/>
+          <a:p>
+            <a:pPr algn="ctr"/>
+            <a:r>
+              <a:rPr lang="en-US" sz="8000"/>
+              <a:t>Questions?</a:t>
+            </a:r>
+          </a:p>
+        </p:txBody>
+      </p:sp>
+      <p:sp>
+        <p:nvSpPr>
+          <p:cNvPr id="101" name="Rectangle 100">
+            <a:extLst>
+              <a:ext uri="{FF2B5EF4-FFF2-40B4-BE49-F238E27FC236}">
+                <a16:creationId xmlns:a16="http://schemas.microsoft.com/office/drawing/2014/main" id="{9325F979-D3F9-4926-81B7-7ACCB31A501B}"/>
+              </a:ext>
+              <a:ext uri="{C183D7F6-B498-43B3-948B-1728B52AA6E4}">
+                <adec:decorative xmlns:adec="http://schemas.microsoft.com/office/drawing/2017/decorative" val="1"/>
+              </a:ext>
+            </a:extLst>
+          </p:cNvPr>
+          <p:cNvSpPr>
+            <a:spLocks noGrp="1" noRot="1" noChangeAspect="1" noMove="1" noResize="1" noEditPoints="1" noAdjustHandles="1" noChangeArrowheads="1" noChangeShapeType="1" noTextEdit="1"/>
+          </p:cNvSpPr>
+          <p:nvPr>
+            <p:extLst>
+              <p:ext uri="{386F3935-93C4-4BCD-93E2-E3B085C9AB24}">
+                <p16:designElem xmlns:p16="http://schemas.microsoft.com/office/powerpoint/2015/main" val="1"/>
+              </p:ext>
+            </p:extLst>
+          </p:nvPr>
+        </p:nvSpPr>
+        <p:spPr>
+          <a:xfrm>
+            <a:off x="1447801" y="1411615"/>
+            <a:ext cx="9296400" cy="4034770"/>
+          </a:xfrm>
+          <a:prstGeom prst="rect">
+            <a:avLst/>
+          </a:prstGeom>
+          <a:noFill/>
+          <a:ln w="9525" cap="sq" cmpd="sng" algn="ctr">
+            <a:solidFill>
+              <a:schemeClr val="tx1">
+                <a:lumMod val="75000"/>
+                <a:lumOff val="25000"/>
+                <a:alpha val="80000"/>
+              </a:schemeClr>
+            </a:solidFill>
+            <a:prstDash val="solid"/>
+            <a:miter lim="800000"/>
+          </a:ln>
+          <a:effectLst/>
+        </p:spPr>
       </p:sp>
     </p:spTree>
     <p:extLst>
@@ -5754,6 +6488,9 @@
           <a:lstStyle/>
           <a:p>
             <a:pPr marL="0" indent="0">
+              <a:lnSpc>
+                <a:spcPct val="150000"/>
+              </a:lnSpc>
               <a:buNone/>
             </a:pPr>
             <a:r>
@@ -8780,7 +9517,7 @@
         <p:spPr>
           <a:xfrm>
             <a:off x="371093" y="2718054"/>
-            <a:ext cx="5901369" cy="3207258"/>
+            <a:ext cx="7189913" cy="3207258"/>
           </a:xfrm>
         </p:spPr>
         <p:txBody>
@@ -9071,8 +9808,8 @@
         </p:nvSpPr>
         <p:spPr>
           <a:xfrm>
-            <a:off x="371093" y="1161288"/>
-            <a:ext cx="6137861" cy="1124712"/>
+            <a:off x="371094" y="1161288"/>
+            <a:ext cx="3438144" cy="1124712"/>
           </a:xfrm>
         </p:spPr>
         <p:txBody>
@@ -9083,15 +9820,12 @@
           <a:p>
             <a:r>
               <a:rPr lang="en-AU" sz="2800" dirty="0"/>
-              <a:t>Challenges</a:t>
+              <a:t>Fashion and NFT</a:t>
             </a:r>
             <a:br>
               <a:rPr lang="en-AU" sz="2800" dirty="0"/>
             </a:br>
-            <a:r>
-              <a:rPr lang="en-AU" sz="2800" dirty="0"/>
-              <a:t> </a:t>
-            </a:r>
+            <a:endParaRPr lang="en-AU" sz="2800" dirty="0"/>
           </a:p>
         </p:txBody>
       </p:sp>
@@ -9274,27 +10008,87 @@
         </p:nvSpPr>
         <p:spPr>
           <a:xfrm>
-            <a:off x="371094" y="2718054"/>
-            <a:ext cx="3438906" cy="3207258"/>
+            <a:off x="371093" y="2718054"/>
+            <a:ext cx="8851565" cy="3743116"/>
           </a:xfrm>
         </p:spPr>
         <p:txBody>
           <a:bodyPr anchor="t">
-            <a:normAutofit/>
+            <a:normAutofit lnSpcReduction="10000"/>
           </a:bodyPr>
           <a:lstStyle/>
           <a:p>
-            <a:pPr marL="0" indent="0">
-              <a:buNone/>
+            <a:pPr>
+              <a:lnSpc>
+                <a:spcPct val="200000"/>
+              </a:lnSpc>
             </a:pPr>
-            <a:endParaRPr lang="en-AU" sz="1700" dirty="0"/>
+            <a:r>
+              <a:rPr lang="en-AU" sz="1700" dirty="0"/>
+              <a:t>High end luxury good markets is worth USD 349.1 Billion in 2022 (Statista 2022)</a:t>
+            </a:r>
+          </a:p>
+          <a:p>
+            <a:pPr>
+              <a:lnSpc>
+                <a:spcPct val="200000"/>
+              </a:lnSpc>
+            </a:pPr>
+            <a:r>
+              <a:rPr lang="en-AU" sz="1700" dirty="0"/>
+              <a:t>CAGR of 3.7% will make it worth USD 419 Billion in 2027 (Statista 2022)</a:t>
+            </a:r>
+          </a:p>
+          <a:p>
+            <a:pPr>
+              <a:lnSpc>
+                <a:spcPct val="200000"/>
+              </a:lnSpc>
+            </a:pPr>
+            <a:r>
+              <a:rPr lang="en-AU" sz="1700" dirty="0"/>
+              <a:t>Fake luxury goods cost high end fashion house more than 30 Billion each year (OECD 2019).</a:t>
+            </a:r>
+          </a:p>
+          <a:p>
+            <a:pPr>
+              <a:lnSpc>
+                <a:spcPct val="200000"/>
+              </a:lnSpc>
+            </a:pPr>
+            <a:r>
+              <a:rPr lang="en-AU" sz="1700" dirty="0"/>
+              <a:t>NFT will be a blockchain proof of ownership</a:t>
+            </a:r>
+          </a:p>
+          <a:p>
+            <a:pPr>
+              <a:lnSpc>
+                <a:spcPct val="200000"/>
+              </a:lnSpc>
+            </a:pPr>
+            <a:r>
+              <a:rPr lang="en-AU" sz="1700" dirty="0"/>
+              <a:t>Tokens will provide cryptographic transparent digital scarcity.</a:t>
+            </a:r>
+          </a:p>
+          <a:p>
+            <a:pPr>
+              <a:lnSpc>
+                <a:spcPct val="200000"/>
+              </a:lnSpc>
+            </a:pPr>
+            <a:r>
+              <a:rPr lang="en-AU" sz="1700" dirty="0"/>
+              <a:t>Excellent opportunity to capture some of  evolving opportunity. </a:t>
+            </a:r>
           </a:p>
         </p:txBody>
       </p:sp>
     </p:spTree>
     <p:extLst>
       <p:ext uri="{BB962C8B-B14F-4D97-AF65-F5344CB8AC3E}">
-        <p14:creationId xmlns:p14="http://schemas.microsoft.com/office/powerpoint/2010/main" val="21734078"/>
+        <p14:creationId xmlns:p14="http://schemas.microsoft.com/office/powerpoint/2010/main" val="591979065"/>
       </p:ext>
     </p:extLst>
   </p:cSld>

--- a/Resources/Presentation.pptx
+++ b/Resources/Presentation.pptx
@@ -10047,7 +10047,7 @@
             </a:pPr>
             <a:r>
               <a:rPr lang="en-AU" sz="1700" dirty="0"/>
-              <a:t>Fake luxury goods cost high end fashion house more than 30 Billion each year (OECD 2019).</a:t>
+              <a:t>Fake luxury goods cost high end fashion house more than 30 Billion each year (OECD 2019)</a:t>
             </a:r>
           </a:p>
           <a:p>
@@ -10069,7 +10069,7 @@
             </a:pPr>
             <a:r>
               <a:rPr lang="en-AU" sz="1700" dirty="0"/>
-              <a:t>Tokens will provide cryptographic transparent digital scarcity.</a:t>
+              <a:t>Tokens will provide cryptographic transparent digital scarcity</a:t>
             </a:r>
           </a:p>
           <a:p>
@@ -10080,7 +10080,7 @@
             </a:pPr>
             <a:r>
               <a:rPr lang="en-AU" sz="1700" dirty="0"/>
-              <a:t>Excellent opportunity to capture some of  evolving opportunity. </a:t>
+              <a:t>Excellent opportunity to capture some of  evolving markets </a:t>
             </a:r>
           </a:p>
         </p:txBody>
